--- a/つくろう企画書230204.pptx
+++ b/つくろう企画書230204.pptx
@@ -448,7 +448,7 @@
               <a:pPr>
                 <a:defRPr/>
               </a:pPr>
-              <a:t>2023/2/7</a:t>
+              <a:t>2023/2/8</a:t>
             </a:fld>
             <a:endParaRPr lang="en-US" altLang="ja-JP"/>
           </a:p>
@@ -7818,6 +7818,230 @@
           </a:p>
         </p:txBody>
       </p:sp>
+      <p:sp>
+        <p:nvSpPr>
+          <p:cNvPr id="2" name="テキスト ボックス 1">
+            <a:extLst>
+              <a:ext uri="{FF2B5EF4-FFF2-40B4-BE49-F238E27FC236}">
+                <a16:creationId xmlns:a16="http://schemas.microsoft.com/office/drawing/2014/main" id="{5B24CAC9-11C8-B625-FEB9-A80022738475}"/>
+              </a:ext>
+            </a:extLst>
+          </p:cNvPr>
+          <p:cNvSpPr txBox="1"/>
+          <p:nvPr/>
+        </p:nvSpPr>
+        <p:spPr>
+          <a:xfrm>
+            <a:off x="6467363" y="7521442"/>
+            <a:ext cx="3057248" cy="584775"/>
+          </a:xfrm>
+          <a:prstGeom prst="rect">
+            <a:avLst/>
+          </a:prstGeom>
+          <a:noFill/>
+        </p:spPr>
+        <p:txBody>
+          <a:bodyPr wrap="none" rtlCol="0">
+            <a:spAutoFit/>
+          </a:bodyPr>
+          <a:lstStyle/>
+          <a:p>
+            <a:r>
+              <a:rPr kumimoji="1" lang="ja-JP" altLang="en-US" sz="3200" dirty="0"/>
+              <a:t>ステージクリア</a:t>
+            </a:r>
+          </a:p>
+        </p:txBody>
+      </p:sp>
+      <p:sp>
+        <p:nvSpPr>
+          <p:cNvPr id="3" name="テキスト ボックス 2">
+            <a:extLst>
+              <a:ext uri="{FF2B5EF4-FFF2-40B4-BE49-F238E27FC236}">
+                <a16:creationId xmlns:a16="http://schemas.microsoft.com/office/drawing/2014/main" id="{5C5F20C5-8A30-18C9-5BF2-0B5BF5C9EC9F}"/>
+              </a:ext>
+            </a:extLst>
+          </p:cNvPr>
+          <p:cNvSpPr txBox="1"/>
+          <p:nvPr/>
+        </p:nvSpPr>
+        <p:spPr>
+          <a:xfrm>
+            <a:off x="6877733" y="6844937"/>
+            <a:ext cx="2236510" cy="584775"/>
+          </a:xfrm>
+          <a:prstGeom prst="rect">
+            <a:avLst/>
+          </a:prstGeom>
+          <a:noFill/>
+        </p:spPr>
+        <p:txBody>
+          <a:bodyPr wrap="none" rtlCol="0">
+            <a:spAutoFit/>
+          </a:bodyPr>
+          <a:lstStyle/>
+          <a:p>
+            <a:r>
+              <a:rPr kumimoji="1" lang="ja-JP" altLang="en-US" sz="3200" dirty="0"/>
+              <a:t>中ボス撃破</a:t>
+            </a:r>
+          </a:p>
+        </p:txBody>
+      </p:sp>
+      <p:sp>
+        <p:nvSpPr>
+          <p:cNvPr id="4" name="テキスト ボックス 3">
+            <a:extLst>
+              <a:ext uri="{FF2B5EF4-FFF2-40B4-BE49-F238E27FC236}">
+                <a16:creationId xmlns:a16="http://schemas.microsoft.com/office/drawing/2014/main" id="{E52E1D0A-779C-E84F-E18C-C51ED3E18D78}"/>
+              </a:ext>
+            </a:extLst>
+          </p:cNvPr>
+          <p:cNvSpPr txBox="1"/>
+          <p:nvPr/>
+        </p:nvSpPr>
+        <p:spPr>
+          <a:xfrm>
+            <a:off x="3691956" y="6983528"/>
+            <a:ext cx="2236511" cy="1077218"/>
+          </a:xfrm>
+          <a:prstGeom prst="rect">
+            <a:avLst/>
+          </a:prstGeom>
+          <a:noFill/>
+        </p:spPr>
+        <p:txBody>
+          <a:bodyPr wrap="none" rtlCol="0">
+            <a:spAutoFit/>
+          </a:bodyPr>
+          <a:lstStyle/>
+          <a:p>
+            <a:r>
+              <a:rPr kumimoji="1" lang="ja-JP" altLang="en-US" sz="3200" dirty="0"/>
+              <a:t>防具武器の</a:t>
+            </a:r>
+            <a:endParaRPr kumimoji="1" lang="en-US" altLang="ja-JP" sz="3200" dirty="0"/>
+          </a:p>
+          <a:p>
+            <a:r>
+              <a:rPr kumimoji="1" lang="ja-JP" altLang="en-US" sz="3200" dirty="0"/>
+              <a:t>購入と装備</a:t>
+            </a:r>
+          </a:p>
+        </p:txBody>
+      </p:sp>
+      <p:sp>
+        <p:nvSpPr>
+          <p:cNvPr id="15" name="テキスト ボックス 14">
+            <a:extLst>
+              <a:ext uri="{FF2B5EF4-FFF2-40B4-BE49-F238E27FC236}">
+                <a16:creationId xmlns:a16="http://schemas.microsoft.com/office/drawing/2014/main" id="{CD3FF5AA-F150-A23A-32F8-29A82C0A8CB1}"/>
+              </a:ext>
+            </a:extLst>
+          </p:cNvPr>
+          <p:cNvSpPr txBox="1"/>
+          <p:nvPr/>
+        </p:nvSpPr>
+        <p:spPr>
+          <a:xfrm>
+            <a:off x="318421" y="7227328"/>
+            <a:ext cx="2646878" cy="584775"/>
+          </a:xfrm>
+          <a:prstGeom prst="rect">
+            <a:avLst/>
+          </a:prstGeom>
+          <a:noFill/>
+        </p:spPr>
+        <p:txBody>
+          <a:bodyPr wrap="none" rtlCol="0">
+            <a:spAutoFit/>
+          </a:bodyPr>
+          <a:lstStyle/>
+          <a:p>
+            <a:r>
+              <a:rPr kumimoji="1" lang="ja-JP" altLang="en-US" sz="3200" dirty="0"/>
+              <a:t>ステージ選択</a:t>
+            </a:r>
+          </a:p>
+        </p:txBody>
+      </p:sp>
+      <p:sp>
+        <p:nvSpPr>
+          <p:cNvPr id="16" name="テキスト ボックス 15">
+            <a:extLst>
+              <a:ext uri="{FF2B5EF4-FFF2-40B4-BE49-F238E27FC236}">
+                <a16:creationId xmlns:a16="http://schemas.microsoft.com/office/drawing/2014/main" id="{28B65DEC-B1BF-30EF-D929-C285FAD0ECC0}"/>
+              </a:ext>
+            </a:extLst>
+          </p:cNvPr>
+          <p:cNvSpPr txBox="1"/>
+          <p:nvPr/>
+        </p:nvSpPr>
+        <p:spPr>
+          <a:xfrm>
+            <a:off x="9855491" y="7227328"/>
+            <a:ext cx="2646878" cy="584775"/>
+          </a:xfrm>
+          <a:prstGeom prst="rect">
+            <a:avLst/>
+          </a:prstGeom>
+          <a:noFill/>
+        </p:spPr>
+        <p:txBody>
+          <a:bodyPr wrap="none" rtlCol="0">
+            <a:spAutoFit/>
+          </a:bodyPr>
+          <a:lstStyle/>
+          <a:p>
+            <a:r>
+              <a:rPr kumimoji="1" lang="ja-JP" altLang="en-US" sz="3200" dirty="0"/>
+              <a:t>ラスボス撃破</a:t>
+            </a:r>
+          </a:p>
+        </p:txBody>
+      </p:sp>
+      <p:sp>
+        <p:nvSpPr>
+          <p:cNvPr id="17" name="テキスト ボックス 16">
+            <a:extLst>
+              <a:ext uri="{FF2B5EF4-FFF2-40B4-BE49-F238E27FC236}">
+                <a16:creationId xmlns:a16="http://schemas.microsoft.com/office/drawing/2014/main" id="{48E588E5-81DC-C0AE-C09E-1B4333BA68B4}"/>
+              </a:ext>
+            </a:extLst>
+          </p:cNvPr>
+          <p:cNvSpPr txBox="1"/>
+          <p:nvPr/>
+        </p:nvSpPr>
+        <p:spPr>
+          <a:xfrm>
+            <a:off x="664905" y="3014436"/>
+            <a:ext cx="11674991" cy="954107"/>
+          </a:xfrm>
+          <a:prstGeom prst="rect">
+            <a:avLst/>
+          </a:prstGeom>
+          <a:noFill/>
+        </p:spPr>
+        <p:txBody>
+          <a:bodyPr wrap="none" rtlCol="0">
+            <a:spAutoFit/>
+          </a:bodyPr>
+          <a:lstStyle/>
+          <a:p>
+            <a:r>
+              <a:rPr kumimoji="1" lang="ja-JP" altLang="en-US" sz="2800" dirty="0"/>
+              <a:t>段ボールでできたロボットを部屋の机で改造し、ダンジョンに行って</a:t>
+            </a:r>
+            <a:endParaRPr kumimoji="1" lang="en-US" altLang="ja-JP" sz="2800" dirty="0"/>
+          </a:p>
+          <a:p>
+            <a:r>
+              <a:rPr kumimoji="1" lang="ja-JP" altLang="en-US" sz="2800" dirty="0"/>
+              <a:t>敵を倒していくビルド＆バトルのアクションゲーム</a:t>
+            </a:r>
+          </a:p>
+        </p:txBody>
+      </p:sp>
     </p:spTree>
     <p:extLst>
       <p:ext uri="{BB962C8B-B14F-4D97-AF65-F5344CB8AC3E}">
@@ -8044,8 +8268,8 @@
         </p:nvSpPr>
         <p:spPr>
           <a:xfrm>
-            <a:off x="885776" y="2716560"/>
-            <a:ext cx="11089232" cy="2123658"/>
+            <a:off x="957784" y="2661151"/>
+            <a:ext cx="11089232" cy="1446550"/>
           </a:xfrm>
           <a:prstGeom prst="rect">
             <a:avLst/>
@@ -8060,20 +8284,14 @@
           <a:p>
             <a:r>
               <a:rPr kumimoji="1" lang="ja-JP" altLang="en-US" dirty="0"/>
-              <a:t>このゲームの一番かっこいいシーン</a:t>
+              <a:t>スキルを使って敵を一気に</a:t>
             </a:r>
             <a:endParaRPr kumimoji="1" lang="en-US" altLang="ja-JP" dirty="0"/>
           </a:p>
           <a:p>
             <a:r>
-              <a:rPr kumimoji="1" lang="en-US" altLang="ja-JP" dirty="0"/>
-              <a:t>Or</a:t>
-            </a:r>
-          </a:p>
-          <a:p>
-            <a:r>
               <a:rPr kumimoji="1" lang="ja-JP" altLang="en-US" dirty="0"/>
-              <a:t>一番かっこいい流れ！</a:t>
+              <a:t>なぎ倒す！！</a:t>
             </a:r>
           </a:p>
         </p:txBody>
@@ -8243,6 +8461,95 @@
                 <a:sym typeface="ヒラギノ角ゴ Pro W3" pitchFamily="-84" charset="-128"/>
               </a:rPr>
               <a:t>してください！</a:t>
+            </a:r>
+          </a:p>
+        </p:txBody>
+      </p:sp>
+      <p:pic>
+        <p:nvPicPr>
+          <p:cNvPr id="1026" name="Picture 2" descr="戦国無双5』初心者攻略。初めての人も、ひさびさに復帰する人も、これさえ分かれば戦国一の武士となる！ | ゲーム・エンタメ最新情報のファミ通.com">
+            <a:extLst>
+              <a:ext uri="{FF2B5EF4-FFF2-40B4-BE49-F238E27FC236}">
+                <a16:creationId xmlns:a16="http://schemas.microsoft.com/office/drawing/2014/main" id="{BF31B66D-FE26-B844-6BBE-41D0B224E9A1}"/>
+              </a:ext>
+            </a:extLst>
+          </p:cNvPr>
+          <p:cNvPicPr>
+            <a:picLocks noChangeAspect="1" noChangeArrowheads="1"/>
+          </p:cNvPicPr>
+          <p:nvPr/>
+        </p:nvPicPr>
+        <p:blipFill>
+          <a:blip r:embed="rId3">
+            <a:extLst>
+              <a:ext uri="{28A0092B-C50C-407E-A947-70E740481C1C}">
+                <a14:useLocalDpi xmlns:a14="http://schemas.microsoft.com/office/drawing/2010/main" val="0"/>
+              </a:ext>
+            </a:extLst>
+          </a:blip>
+          <a:srcRect/>
+          <a:stretch>
+            <a:fillRect/>
+          </a:stretch>
+        </p:blipFill>
+        <p:spPr bwMode="auto">
+          <a:xfrm>
+            <a:off x="2122252" y="4372744"/>
+            <a:ext cx="8400256" cy="4725144"/>
+          </a:xfrm>
+          <a:prstGeom prst="rect">
+            <a:avLst/>
+          </a:prstGeom>
+          <a:noFill/>
+          <a:extLst>
+            <a:ext uri="{909E8E84-426E-40DD-AFC4-6F175D3DCCD1}">
+              <a14:hiddenFill xmlns:a14="http://schemas.microsoft.com/office/drawing/2010/main">
+                <a:solidFill>
+                  <a:srgbClr val="FFFFFF"/>
+                </a:solidFill>
+              </a14:hiddenFill>
+            </a:ext>
+          </a:extLst>
+        </p:spPr>
+      </p:pic>
+      <p:sp>
+        <p:nvSpPr>
+          <p:cNvPr id="2" name="テキスト ボックス 1">
+            <a:extLst>
+              <a:ext uri="{FF2B5EF4-FFF2-40B4-BE49-F238E27FC236}">
+                <a16:creationId xmlns:a16="http://schemas.microsoft.com/office/drawing/2014/main" id="{9440963A-504A-5A4C-A484-97D65F19F86C}"/>
+              </a:ext>
+            </a:extLst>
+          </p:cNvPr>
+          <p:cNvSpPr txBox="1"/>
+          <p:nvPr/>
+        </p:nvSpPr>
+        <p:spPr>
+          <a:xfrm>
+            <a:off x="10882548" y="8622957"/>
+            <a:ext cx="1338829" cy="646331"/>
+          </a:xfrm>
+          <a:prstGeom prst="rect">
+            <a:avLst/>
+          </a:prstGeom>
+          <a:noFill/>
+        </p:spPr>
+        <p:txBody>
+          <a:bodyPr wrap="none" rtlCol="0">
+            <a:spAutoFit/>
+          </a:bodyPr>
+          <a:lstStyle/>
+          <a:p>
+            <a:r>
+              <a:rPr kumimoji="1" lang="ja-JP" altLang="en-US" sz="1800" dirty="0"/>
+              <a:t>参考画像</a:t>
+            </a:r>
+            <a:endParaRPr kumimoji="1" lang="en-US" altLang="ja-JP" sz="1800" dirty="0"/>
+          </a:p>
+          <a:p>
+            <a:r>
+              <a:rPr kumimoji="1" lang="ja-JP" altLang="en-US" sz="1800" dirty="0"/>
+              <a:t>戦国無双５</a:t>
             </a:r>
           </a:p>
         </p:txBody>
@@ -13348,8 +13655,8 @@
         </p:nvSpPr>
         <p:spPr bwMode="auto">
           <a:xfrm>
-            <a:off x="7078464" y="7037040"/>
-            <a:ext cx="5760640" cy="2232248"/>
+            <a:off x="7078464" y="7613104"/>
+            <a:ext cx="5760640" cy="1512168"/>
           </a:xfrm>
           <a:prstGeom prst="roundRect">
             <a:avLst/>
@@ -13630,48 +13937,6 @@
               </a:rPr>
               <a:t>DirectX</a:t>
             </a:r>
-          </a:p>
-          <a:p>
-            <a:pPr marL="0" marR="0" indent="0" algn="l" defTabSz="914400" rtl="0" eaLnBrk="1" fontAlgn="base" latinLnBrk="0" hangingPunct="1">
-              <a:lnSpc>
-                <a:spcPct val="100000"/>
-              </a:lnSpc>
-              <a:spcBef>
-                <a:spcPct val="0"/>
-              </a:spcBef>
-              <a:spcAft>
-                <a:spcPct val="0"/>
-              </a:spcAft>
-              <a:buClrTx/>
-              <a:buSzTx/>
-              <a:buFontTx/>
-              <a:buNone/>
-              <a:tabLst/>
-            </a:pPr>
-            <a:r>
-              <a:rPr lang="ja-JP" altLang="en-US" sz="2400" dirty="0">
-                <a:solidFill>
-                  <a:srgbClr val="000000"/>
-                </a:solidFill>
-                <a:latin typeface="HGS創英角ｺﾞｼｯｸUB" panose="020B0900000000000000" pitchFamily="50" charset="-128"/>
-                <a:ea typeface="HGS創英角ｺﾞｼｯｸUB" panose="020B0900000000000000" pitchFamily="50" charset="-128"/>
-                <a:cs typeface="メイリオ" pitchFamily="50" charset="-128"/>
-              </a:rPr>
-              <a:t>ゲームジャンル：</a:t>
-            </a:r>
-            <a:endParaRPr kumimoji="0" lang="en-US" altLang="ja-JP" sz="2400" b="0" i="0" u="none" strike="noStrike" cap="none" normalizeH="0" baseline="0" dirty="0">
-              <a:ln>
-                <a:noFill/>
-              </a:ln>
-              <a:solidFill>
-                <a:srgbClr val="000000"/>
-              </a:solidFill>
-              <a:effectLst/>
-              <a:latin typeface="HGS創英角ｺﾞｼｯｸUB" panose="020B0900000000000000" pitchFamily="50" charset="-128"/>
-              <a:ea typeface="HGS創英角ｺﾞｼｯｸUB" panose="020B0900000000000000" pitchFamily="50" charset="-128"/>
-              <a:cs typeface="メイリオ" pitchFamily="50" charset="-128"/>
-              <a:sym typeface="ヒラギノ角ゴ Pro W3" pitchFamily="-84" charset="-128"/>
-            </a:endParaRPr>
           </a:p>
           <a:p>
             <a:pPr marL="0" marR="0" indent="0" algn="l" defTabSz="914400" rtl="0" eaLnBrk="1" fontAlgn="base" latinLnBrk="0" hangingPunct="1">
